--- a/Тестирующая система.pptx
+++ b/Тестирующая система.pptx
@@ -8,6 +8,13 @@
     <p:sldId id="256" r:id="rId2"/>
     <p:sldId id="257" r:id="rId3"/>
     <p:sldId id="258" r:id="rId4"/>
+    <p:sldId id="259" r:id="rId5"/>
+    <p:sldId id="260" r:id="rId6"/>
+    <p:sldId id="261" r:id="rId7"/>
+    <p:sldId id="262" r:id="rId8"/>
+    <p:sldId id="263" r:id="rId9"/>
+    <p:sldId id="264" r:id="rId10"/>
+    <p:sldId id="265" r:id="rId11"/>
   </p:sldIdLst>
   <p:sldSz cx="12192000" cy="6858000"/>
   <p:notesSz cx="6858000" cy="9144000"/>
@@ -106,6 +113,11 @@
       </a:defRPr>
     </a:lvl9pPr>
   </p:defaultTextStyle>
+  <p:extLst>
+    <p:ext uri="{EFAFB233-063F-42B5-8137-9DF3F51BA10A}">
+      <p15:sldGuideLst xmlns:p15="http://schemas.microsoft.com/office/powerpoint/2012/main"/>
+    </p:ext>
+  </p:extLst>
 </p:presentation>
 </file>
 
@@ -5885,6 +5897,65 @@
 </p:sld>
 </file>
 
+<file path=ppt/slides/slide10.xml><?xml version="1.0" encoding="utf-8"?>
+<p:sld xmlns:a="http://schemas.openxmlformats.org/drawingml/2006/main" xmlns:r="http://schemas.openxmlformats.org/officeDocument/2006/relationships" xmlns:p="http://schemas.openxmlformats.org/presentationml/2006/main">
+  <p:cSld>
+    <p:spTree>
+      <p:nvGrpSpPr>
+        <p:cNvPr id="1" name=""/>
+        <p:cNvGrpSpPr/>
+        <p:nvPr/>
+      </p:nvGrpSpPr>
+      <p:grpSpPr>
+        <a:xfrm>
+          <a:off x="0" y="0"/>
+          <a:ext cx="0" cy="0"/>
+          <a:chOff x="0" y="0"/>
+          <a:chExt cx="0" cy="0"/>
+        </a:xfrm>
+      </p:grpSpPr>
+      <p:sp>
+        <p:nvSpPr>
+          <p:cNvPr id="2" name="Заголовок 1"/>
+          <p:cNvSpPr>
+            <a:spLocks noGrp="1"/>
+          </p:cNvSpPr>
+          <p:nvPr>
+            <p:ph type="title"/>
+          </p:nvPr>
+        </p:nvSpPr>
+        <p:spPr>
+          <a:xfrm>
+            <a:off x="1579542" y="2779776"/>
+            <a:ext cx="8596668" cy="1320800"/>
+          </a:xfrm>
+        </p:spPr>
+        <p:txBody>
+          <a:bodyPr anchor="ctr"/>
+          <a:lstStyle/>
+          <a:p>
+            <a:pPr algn="ctr"/>
+            <a:r>
+              <a:rPr lang="ru-RU" dirty="0" smtClean="0"/>
+              <a:t>Спасибо за внимание</a:t>
+            </a:r>
+            <a:endParaRPr lang="ru-RU" dirty="0"/>
+          </a:p>
+        </p:txBody>
+      </p:sp>
+    </p:spTree>
+    <p:extLst>
+      <p:ext uri="{BB962C8B-B14F-4D97-AF65-F5344CB8AC3E}">
+        <p14:creationId xmlns:p14="http://schemas.microsoft.com/office/powerpoint/2010/main" val="518690548"/>
+      </p:ext>
+    </p:extLst>
+  </p:cSld>
+  <p:clrMapOvr>
+    <a:masterClrMapping/>
+  </p:clrMapOvr>
+</p:sld>
+</file>
+
 <file path=ppt/slides/slide2.xml><?xml version="1.0" encoding="utf-8"?>
 <p:sld xmlns:a="http://schemas.openxmlformats.org/drawingml/2006/main" xmlns:r="http://schemas.openxmlformats.org/officeDocument/2006/relationships" xmlns:p="http://schemas.openxmlformats.org/presentationml/2006/main">
   <p:cSld>
@@ -6068,6 +6139,591 @@
     <p:extLst>
       <p:ext uri="{BB962C8B-B14F-4D97-AF65-F5344CB8AC3E}">
         <p14:creationId xmlns:p14="http://schemas.microsoft.com/office/powerpoint/2010/main" val="1444673546"/>
+      </p:ext>
+    </p:extLst>
+  </p:cSld>
+  <p:clrMapOvr>
+    <a:masterClrMapping/>
+  </p:clrMapOvr>
+  <p:timing>
+    <p:tnLst>
+      <p:par>
+        <p:cTn id="1" dur="indefinite" restart="never" nodeType="tmRoot"/>
+      </p:par>
+    </p:tnLst>
+  </p:timing>
+</p:sld>
+</file>
+
+<file path=ppt/slides/slide4.xml><?xml version="1.0" encoding="utf-8"?>
+<p:sld xmlns:a="http://schemas.openxmlformats.org/drawingml/2006/main" xmlns:r="http://schemas.openxmlformats.org/officeDocument/2006/relationships" xmlns:p="http://schemas.openxmlformats.org/presentationml/2006/main">
+  <p:cSld>
+    <p:spTree>
+      <p:nvGrpSpPr>
+        <p:cNvPr id="1" name=""/>
+        <p:cNvGrpSpPr/>
+        <p:nvPr/>
+      </p:nvGrpSpPr>
+      <p:grpSpPr>
+        <a:xfrm>
+          <a:off x="0" y="0"/>
+          <a:ext cx="0" cy="0"/>
+          <a:chOff x="0" y="0"/>
+          <a:chExt cx="0" cy="0"/>
+        </a:xfrm>
+      </p:grpSpPr>
+      <p:sp>
+        <p:nvSpPr>
+          <p:cNvPr id="2" name="Заголовок 1"/>
+          <p:cNvSpPr>
+            <a:spLocks noGrp="1"/>
+          </p:cNvSpPr>
+          <p:nvPr>
+            <p:ph type="title"/>
+          </p:nvPr>
+        </p:nvSpPr>
+        <p:spPr/>
+        <p:txBody>
+          <a:bodyPr/>
+          <a:lstStyle/>
+          <a:p>
+            <a:r>
+              <a:rPr lang="ru-RU" dirty="0" smtClean="0"/>
+              <a:t>Ввод имени</a:t>
+            </a:r>
+            <a:endParaRPr lang="ru-RU" dirty="0"/>
+          </a:p>
+        </p:txBody>
+      </p:sp>
+      <p:sp>
+        <p:nvSpPr>
+          <p:cNvPr id="8" name="AutoShape 10" descr="blob:https://web.telegram.org/ecad6d08-3eb1-40d7-8fd6-371a05c8e0be"/>
+          <p:cNvSpPr>
+            <a:spLocks noChangeAspect="1" noChangeArrowheads="1"/>
+          </p:cNvSpPr>
+          <p:nvPr/>
+        </p:nvSpPr>
+        <p:spPr bwMode="auto">
+          <a:xfrm>
+            <a:off x="2862198" y="3744785"/>
+            <a:ext cx="3136265" cy="3136275"/>
+          </a:xfrm>
+          <a:prstGeom prst="rect">
+            <a:avLst/>
+          </a:prstGeom>
+          <a:noFill/>
+          <a:extLst>
+            <a:ext uri="{909E8E84-426E-40DD-AFC4-6F175D3DCCD1}">
+              <a14:hiddenFill xmlns:a14="http://schemas.microsoft.com/office/drawing/2010/main">
+                <a:solidFill>
+                  <a:srgbClr val="FFFFFF"/>
+                </a:solidFill>
+              </a14:hiddenFill>
+            </a:ext>
+          </a:extLst>
+        </p:spPr>
+        <p:txBody>
+          <a:bodyPr vert="horz" wrap="square" lIns="91440" tIns="45720" rIns="91440" bIns="45720" numCol="1" anchor="t" anchorCtr="0" compatLnSpc="1">
+            <a:prstTxWarp prst="textNoShape">
+              <a:avLst/>
+            </a:prstTxWarp>
+          </a:bodyPr>
+          <a:lstStyle/>
+          <a:p>
+            <a:endParaRPr lang="ru-RU"/>
+          </a:p>
+        </p:txBody>
+      </p:sp>
+      <p:sp>
+        <p:nvSpPr>
+          <p:cNvPr id="10" name="AutoShape 14" descr="blob:https://web.telegram.org/ecad6d08-3eb1-40d7-8fd6-371a05c8e0be"/>
+          <p:cNvSpPr>
+            <a:spLocks noChangeAspect="1" noChangeArrowheads="1"/>
+          </p:cNvSpPr>
+          <p:nvPr/>
+        </p:nvSpPr>
+        <p:spPr bwMode="auto">
+          <a:xfrm>
+            <a:off x="307975" y="7937"/>
+            <a:ext cx="304800" cy="304801"/>
+          </a:xfrm>
+          <a:prstGeom prst="rect">
+            <a:avLst/>
+          </a:prstGeom>
+          <a:noFill/>
+          <a:extLst>
+            <a:ext uri="{909E8E84-426E-40DD-AFC4-6F175D3DCCD1}">
+              <a14:hiddenFill xmlns:a14="http://schemas.microsoft.com/office/drawing/2010/main">
+                <a:solidFill>
+                  <a:srgbClr val="FFFFFF"/>
+                </a:solidFill>
+              </a14:hiddenFill>
+            </a:ext>
+          </a:extLst>
+        </p:spPr>
+        <p:txBody>
+          <a:bodyPr vert="horz" wrap="square" lIns="91440" tIns="45720" rIns="91440" bIns="45720" numCol="1" anchor="t" anchorCtr="0" compatLnSpc="1">
+            <a:prstTxWarp prst="textNoShape">
+              <a:avLst/>
+            </a:prstTxWarp>
+          </a:bodyPr>
+          <a:lstStyle/>
+          <a:p>
+            <a:endParaRPr lang="ru-RU"/>
+          </a:p>
+        </p:txBody>
+      </p:sp>
+      <p:pic>
+        <p:nvPicPr>
+          <p:cNvPr id="11" name="Рисунок 10"/>
+          <p:cNvPicPr>
+            <a:picLocks noChangeAspect="1"/>
+          </p:cNvPicPr>
+          <p:nvPr/>
+        </p:nvPicPr>
+        <p:blipFill>
+          <a:blip r:embed="rId2">
+            <a:extLst>
+              <a:ext uri="{28A0092B-C50C-407E-A947-70E740481C1C}">
+                <a14:useLocalDpi xmlns:a14="http://schemas.microsoft.com/office/drawing/2010/main" val="0"/>
+              </a:ext>
+            </a:extLst>
+          </a:blip>
+          <a:stretch>
+            <a:fillRect/>
+          </a:stretch>
+        </p:blipFill>
+        <p:spPr>
+          <a:xfrm>
+            <a:off x="5650800" y="160337"/>
+            <a:ext cx="3261552" cy="6523104"/>
+          </a:xfrm>
+          <a:prstGeom prst="rect">
+            <a:avLst/>
+          </a:prstGeom>
+        </p:spPr>
+      </p:pic>
+    </p:spTree>
+    <p:extLst>
+      <p:ext uri="{BB962C8B-B14F-4D97-AF65-F5344CB8AC3E}">
+        <p14:creationId xmlns:p14="http://schemas.microsoft.com/office/powerpoint/2010/main" val="3465348425"/>
+      </p:ext>
+    </p:extLst>
+  </p:cSld>
+  <p:clrMapOvr>
+    <a:masterClrMapping/>
+  </p:clrMapOvr>
+  <p:timing>
+    <p:tnLst>
+      <p:par>
+        <p:cTn id="1" dur="indefinite" restart="never" nodeType="tmRoot"/>
+      </p:par>
+    </p:tnLst>
+  </p:timing>
+</p:sld>
+</file>
+
+<file path=ppt/slides/slide5.xml><?xml version="1.0" encoding="utf-8"?>
+<p:sld xmlns:a="http://schemas.openxmlformats.org/drawingml/2006/main" xmlns:r="http://schemas.openxmlformats.org/officeDocument/2006/relationships" xmlns:p="http://schemas.openxmlformats.org/presentationml/2006/main">
+  <p:cSld>
+    <p:spTree>
+      <p:nvGrpSpPr>
+        <p:cNvPr id="1" name=""/>
+        <p:cNvGrpSpPr/>
+        <p:nvPr/>
+      </p:nvGrpSpPr>
+      <p:grpSpPr>
+        <a:xfrm>
+          <a:off x="0" y="0"/>
+          <a:ext cx="0" cy="0"/>
+          <a:chOff x="0" y="0"/>
+          <a:chExt cx="0" cy="0"/>
+        </a:xfrm>
+      </p:grpSpPr>
+      <p:sp>
+        <p:nvSpPr>
+          <p:cNvPr id="2" name="Заголовок 1"/>
+          <p:cNvSpPr>
+            <a:spLocks noGrp="1"/>
+          </p:cNvSpPr>
+          <p:nvPr>
+            <p:ph type="title"/>
+          </p:nvPr>
+        </p:nvSpPr>
+        <p:spPr/>
+        <p:txBody>
+          <a:bodyPr/>
+          <a:lstStyle/>
+          <a:p>
+            <a:r>
+              <a:rPr lang="ru-RU" dirty="0" smtClean="0"/>
+              <a:t>Прохождение тестирования</a:t>
+            </a:r>
+            <a:endParaRPr lang="ru-RU" dirty="0"/>
+          </a:p>
+        </p:txBody>
+      </p:sp>
+      <p:pic>
+        <p:nvPicPr>
+          <p:cNvPr id="4" name="Объект 3"/>
+          <p:cNvPicPr>
+            <a:picLocks noGrp="1" noChangeAspect="1"/>
+          </p:cNvPicPr>
+          <p:nvPr>
+            <p:ph idx="1"/>
+          </p:nvPr>
+        </p:nvPicPr>
+        <p:blipFill>
+          <a:blip r:embed="rId2" cstate="print">
+            <a:extLst>
+              <a:ext uri="{28A0092B-C50C-407E-A947-70E740481C1C}">
+                <a14:useLocalDpi xmlns:a14="http://schemas.microsoft.com/office/drawing/2010/main" val="0"/>
+              </a:ext>
+            </a:extLst>
+          </a:blip>
+          <a:stretch>
+            <a:fillRect/>
+          </a:stretch>
+        </p:blipFill>
+        <p:spPr>
+          <a:xfrm>
+            <a:off x="6900672" y="703104"/>
+            <a:ext cx="2987040" cy="5974081"/>
+          </a:xfrm>
+        </p:spPr>
+      </p:pic>
+    </p:spTree>
+    <p:extLst>
+      <p:ext uri="{BB962C8B-B14F-4D97-AF65-F5344CB8AC3E}">
+        <p14:creationId xmlns:p14="http://schemas.microsoft.com/office/powerpoint/2010/main" val="1059249655"/>
+      </p:ext>
+    </p:extLst>
+  </p:cSld>
+  <p:clrMapOvr>
+    <a:masterClrMapping/>
+  </p:clrMapOvr>
+</p:sld>
+</file>
+
+<file path=ppt/slides/slide6.xml><?xml version="1.0" encoding="utf-8"?>
+<p:sld xmlns:a="http://schemas.openxmlformats.org/drawingml/2006/main" xmlns:r="http://schemas.openxmlformats.org/officeDocument/2006/relationships" xmlns:p="http://schemas.openxmlformats.org/presentationml/2006/main">
+  <p:cSld>
+    <p:spTree>
+      <p:nvGrpSpPr>
+        <p:cNvPr id="1" name=""/>
+        <p:cNvGrpSpPr/>
+        <p:nvPr/>
+      </p:nvGrpSpPr>
+      <p:grpSpPr>
+        <a:xfrm>
+          <a:off x="0" y="0"/>
+          <a:ext cx="0" cy="0"/>
+          <a:chOff x="0" y="0"/>
+          <a:chExt cx="0" cy="0"/>
+        </a:xfrm>
+      </p:grpSpPr>
+      <p:sp>
+        <p:nvSpPr>
+          <p:cNvPr id="2" name="Заголовок 1"/>
+          <p:cNvSpPr>
+            <a:spLocks noGrp="1"/>
+          </p:cNvSpPr>
+          <p:nvPr>
+            <p:ph type="title"/>
+          </p:nvPr>
+        </p:nvSpPr>
+        <p:spPr/>
+        <p:txBody>
+          <a:bodyPr/>
+          <a:lstStyle/>
+          <a:p>
+            <a:r>
+              <a:rPr lang="ru-RU" dirty="0" smtClean="0"/>
+              <a:t>Прохождение тестирования</a:t>
+            </a:r>
+            <a:endParaRPr lang="ru-RU" dirty="0"/>
+          </a:p>
+        </p:txBody>
+      </p:sp>
+      <p:pic>
+        <p:nvPicPr>
+          <p:cNvPr id="5" name="Объект 4"/>
+          <p:cNvPicPr>
+            <a:picLocks noGrp="1" noChangeAspect="1"/>
+          </p:cNvPicPr>
+          <p:nvPr>
+            <p:ph idx="1"/>
+          </p:nvPr>
+        </p:nvPicPr>
+        <p:blipFill>
+          <a:blip r:embed="rId2" cstate="print">
+            <a:extLst>
+              <a:ext uri="{28A0092B-C50C-407E-A947-70E740481C1C}">
+                <a14:useLocalDpi xmlns:a14="http://schemas.microsoft.com/office/drawing/2010/main" val="0"/>
+              </a:ext>
+            </a:extLst>
+          </a:blip>
+          <a:stretch>
+            <a:fillRect/>
+          </a:stretch>
+        </p:blipFill>
+        <p:spPr>
+          <a:xfrm>
+            <a:off x="6870780" y="707136"/>
+            <a:ext cx="2953511" cy="5907024"/>
+          </a:xfrm>
+        </p:spPr>
+      </p:pic>
+    </p:spTree>
+    <p:extLst>
+      <p:ext uri="{BB962C8B-B14F-4D97-AF65-F5344CB8AC3E}">
+        <p14:creationId xmlns:p14="http://schemas.microsoft.com/office/powerpoint/2010/main" val="4187883306"/>
+      </p:ext>
+    </p:extLst>
+  </p:cSld>
+  <p:clrMapOvr>
+    <a:masterClrMapping/>
+  </p:clrMapOvr>
+</p:sld>
+</file>
+
+<file path=ppt/slides/slide7.xml><?xml version="1.0" encoding="utf-8"?>
+<p:sld xmlns:a="http://schemas.openxmlformats.org/drawingml/2006/main" xmlns:r="http://schemas.openxmlformats.org/officeDocument/2006/relationships" xmlns:p="http://schemas.openxmlformats.org/presentationml/2006/main">
+  <p:cSld>
+    <p:spTree>
+      <p:nvGrpSpPr>
+        <p:cNvPr id="1" name=""/>
+        <p:cNvGrpSpPr/>
+        <p:nvPr/>
+      </p:nvGrpSpPr>
+      <p:grpSpPr>
+        <a:xfrm>
+          <a:off x="0" y="0"/>
+          <a:ext cx="0" cy="0"/>
+          <a:chOff x="0" y="0"/>
+          <a:chExt cx="0" cy="0"/>
+        </a:xfrm>
+      </p:grpSpPr>
+      <p:sp>
+        <p:nvSpPr>
+          <p:cNvPr id="2" name="Заголовок 1"/>
+          <p:cNvSpPr>
+            <a:spLocks noGrp="1"/>
+          </p:cNvSpPr>
+          <p:nvPr>
+            <p:ph type="title"/>
+          </p:nvPr>
+        </p:nvSpPr>
+        <p:spPr/>
+        <p:txBody>
+          <a:bodyPr/>
+          <a:lstStyle/>
+          <a:p>
+            <a:r>
+              <a:rPr lang="ru-RU" dirty="0" smtClean="0"/>
+              <a:t>Прохождение тестирования</a:t>
+            </a:r>
+            <a:endParaRPr lang="ru-RU" dirty="0"/>
+          </a:p>
+        </p:txBody>
+      </p:sp>
+      <p:pic>
+        <p:nvPicPr>
+          <p:cNvPr id="4" name="Объект 3"/>
+          <p:cNvPicPr>
+            <a:picLocks noGrp="1" noChangeAspect="1"/>
+          </p:cNvPicPr>
+          <p:nvPr>
+            <p:ph idx="1"/>
+          </p:nvPr>
+        </p:nvPicPr>
+        <p:blipFill>
+          <a:blip r:embed="rId2" cstate="print">
+            <a:extLst>
+              <a:ext uri="{28A0092B-C50C-407E-A947-70E740481C1C}">
+                <a14:useLocalDpi xmlns:a14="http://schemas.microsoft.com/office/drawing/2010/main" val="0"/>
+              </a:ext>
+            </a:extLst>
+          </a:blip>
+          <a:stretch>
+            <a:fillRect/>
+          </a:stretch>
+        </p:blipFill>
+        <p:spPr>
+          <a:xfrm>
+            <a:off x="6943932" y="609600"/>
+            <a:ext cx="2931588" cy="5863178"/>
+          </a:xfrm>
+        </p:spPr>
+      </p:pic>
+    </p:spTree>
+    <p:extLst>
+      <p:ext uri="{BB962C8B-B14F-4D97-AF65-F5344CB8AC3E}">
+        <p14:creationId xmlns:p14="http://schemas.microsoft.com/office/powerpoint/2010/main" val="1086013947"/>
+      </p:ext>
+    </p:extLst>
+  </p:cSld>
+  <p:clrMapOvr>
+    <a:masterClrMapping/>
+  </p:clrMapOvr>
+</p:sld>
+</file>
+
+<file path=ppt/slides/slide8.xml><?xml version="1.0" encoding="utf-8"?>
+<p:sld xmlns:a="http://schemas.openxmlformats.org/drawingml/2006/main" xmlns:r="http://schemas.openxmlformats.org/officeDocument/2006/relationships" xmlns:p="http://schemas.openxmlformats.org/presentationml/2006/main">
+  <p:cSld>
+    <p:spTree>
+      <p:nvGrpSpPr>
+        <p:cNvPr id="1" name=""/>
+        <p:cNvGrpSpPr/>
+        <p:nvPr/>
+      </p:nvGrpSpPr>
+      <p:grpSpPr>
+        <a:xfrm>
+          <a:off x="0" y="0"/>
+          <a:ext cx="0" cy="0"/>
+          <a:chOff x="0" y="0"/>
+          <a:chExt cx="0" cy="0"/>
+        </a:xfrm>
+      </p:grpSpPr>
+      <p:sp>
+        <p:nvSpPr>
+          <p:cNvPr id="2" name="Заголовок 1"/>
+          <p:cNvSpPr>
+            <a:spLocks noGrp="1"/>
+          </p:cNvSpPr>
+          <p:nvPr>
+            <p:ph type="title"/>
+          </p:nvPr>
+        </p:nvSpPr>
+        <p:spPr/>
+        <p:txBody>
+          <a:bodyPr/>
+          <a:lstStyle/>
+          <a:p>
+            <a:r>
+              <a:rPr lang="ru-RU" dirty="0" smtClean="0"/>
+              <a:t>Конец тестирования</a:t>
+            </a:r>
+            <a:endParaRPr lang="ru-RU" dirty="0"/>
+          </a:p>
+        </p:txBody>
+      </p:sp>
+      <p:pic>
+        <p:nvPicPr>
+          <p:cNvPr id="4" name="Объект 3"/>
+          <p:cNvPicPr>
+            <a:picLocks noGrp="1" noChangeAspect="1"/>
+          </p:cNvPicPr>
+          <p:nvPr>
+            <p:ph idx="1"/>
+          </p:nvPr>
+        </p:nvPicPr>
+        <p:blipFill>
+          <a:blip r:embed="rId2" cstate="print">
+            <a:extLst>
+              <a:ext uri="{28A0092B-C50C-407E-A947-70E740481C1C}">
+                <a14:useLocalDpi xmlns:a14="http://schemas.microsoft.com/office/drawing/2010/main" val="0"/>
+              </a:ext>
+            </a:extLst>
+          </a:blip>
+          <a:stretch>
+            <a:fillRect/>
+          </a:stretch>
+        </p:blipFill>
+        <p:spPr>
+          <a:xfrm>
+            <a:off x="6809820" y="609600"/>
+            <a:ext cx="2931588" cy="5863178"/>
+          </a:xfrm>
+        </p:spPr>
+      </p:pic>
+    </p:spTree>
+    <p:extLst>
+      <p:ext uri="{BB962C8B-B14F-4D97-AF65-F5344CB8AC3E}">
+        <p14:creationId xmlns:p14="http://schemas.microsoft.com/office/powerpoint/2010/main" val="202896980"/>
+      </p:ext>
+    </p:extLst>
+  </p:cSld>
+  <p:clrMapOvr>
+    <a:masterClrMapping/>
+  </p:clrMapOvr>
+</p:sld>
+</file>
+
+<file path=ppt/slides/slide9.xml><?xml version="1.0" encoding="utf-8"?>
+<p:sld xmlns:a="http://schemas.openxmlformats.org/drawingml/2006/main" xmlns:r="http://schemas.openxmlformats.org/officeDocument/2006/relationships" xmlns:p="http://schemas.openxmlformats.org/presentationml/2006/main">
+  <p:cSld>
+    <p:spTree>
+      <p:nvGrpSpPr>
+        <p:cNvPr id="1" name=""/>
+        <p:cNvGrpSpPr/>
+        <p:nvPr/>
+      </p:nvGrpSpPr>
+      <p:grpSpPr>
+        <a:xfrm>
+          <a:off x="0" y="0"/>
+          <a:ext cx="0" cy="0"/>
+          <a:chOff x="0" y="0"/>
+          <a:chExt cx="0" cy="0"/>
+        </a:xfrm>
+      </p:grpSpPr>
+      <p:sp>
+        <p:nvSpPr>
+          <p:cNvPr id="2" name="Заголовок 1"/>
+          <p:cNvSpPr>
+            <a:spLocks noGrp="1"/>
+          </p:cNvSpPr>
+          <p:nvPr>
+            <p:ph type="title"/>
+          </p:nvPr>
+        </p:nvSpPr>
+        <p:spPr/>
+        <p:txBody>
+          <a:bodyPr/>
+          <a:lstStyle/>
+          <a:p>
+            <a:r>
+              <a:rPr lang="ru-RU" dirty="0" smtClean="0"/>
+              <a:t>Страница результата</a:t>
+            </a:r>
+            <a:endParaRPr lang="ru-RU" dirty="0"/>
+          </a:p>
+        </p:txBody>
+      </p:sp>
+      <p:pic>
+        <p:nvPicPr>
+          <p:cNvPr id="4" name="Объект 3"/>
+          <p:cNvPicPr>
+            <a:picLocks noGrp="1" noChangeAspect="1"/>
+          </p:cNvPicPr>
+          <p:nvPr>
+            <p:ph idx="1"/>
+          </p:nvPr>
+        </p:nvPicPr>
+        <p:blipFill>
+          <a:blip r:embed="rId2" cstate="print">
+            <a:extLst>
+              <a:ext uri="{28A0092B-C50C-407E-A947-70E740481C1C}">
+                <a14:useLocalDpi xmlns:a14="http://schemas.microsoft.com/office/drawing/2010/main" val="0"/>
+              </a:ext>
+            </a:extLst>
+          </a:blip>
+          <a:stretch>
+            <a:fillRect/>
+          </a:stretch>
+        </p:blipFill>
+        <p:spPr>
+          <a:xfrm>
+            <a:off x="6708174" y="609600"/>
+            <a:ext cx="3069810" cy="6139621"/>
+          </a:xfrm>
+        </p:spPr>
+      </p:pic>
+    </p:spTree>
+    <p:extLst>
+      <p:ext uri="{BB962C8B-B14F-4D97-AF65-F5344CB8AC3E}">
+        <p14:creationId xmlns:p14="http://schemas.microsoft.com/office/powerpoint/2010/main" val="2192658749"/>
       </p:ext>
     </p:extLst>
   </p:cSld>
